--- a/project1_presentation_tj.pptx
+++ b/project1_presentation_tj.pptx
@@ -3015,7 +3015,15 @@
           <a:p>
             <a:r>
               <a:rPr lang="en-US" dirty="0"/>
-              <a:t>Out of curiosity, how much change is there to a stock price before and after and acquisition?</a:t>
+              <a:t>Out of curiosity, how much change is there to a stock price before and </a:t>
+            </a:r>
+            <a:r>
+              <a:rPr lang="en-US"/>
+              <a:t>after an </a:t>
+            </a:r>
+            <a:r>
+              <a:rPr lang="en-US" dirty="0"/>
+              <a:t>acquisition?</a:t>
             </a:r>
           </a:p>
         </p:txBody>
